--- a/AHSAN SEM 6/Lectures/Software Application for mobile devices/Chapter08-Tasks and Back Stack .pptx
+++ b/AHSAN SEM 6/Lectures/Software Application for mobile devices/Chapter08-Tasks and Back Stack .pptx
@@ -233,7 +233,7 @@
           <a:p>
             <a:fld id="{221704CC-F182-4AF4-82B2-B48EE4C5E41A}" type="datetimeFigureOut">
               <a:rPr lang="en-US" smtClean="0"/>
-              <a:t>19-Jun-2023</a:t>
+              <a:t>29-May-2024</a:t>
             </a:fld>
             <a:endParaRPr lang="en-US"/>
           </a:p>
@@ -943,7 +943,7 @@
           <a:p>
             <a:fld id="{97CEE04D-A507-4B97-B0B6-1AF45CABDC55}" type="datetimeFigureOut">
               <a:rPr lang="en-US" smtClean="0"/>
-              <a:t>19-Jun-2023</a:t>
+              <a:t>29-May-2024</a:t>
             </a:fld>
             <a:endParaRPr lang="en-US"/>
           </a:p>
@@ -1111,7 +1111,7 @@
           <a:p>
             <a:fld id="{97CEE04D-A507-4B97-B0B6-1AF45CABDC55}" type="datetimeFigureOut">
               <a:rPr lang="en-US" smtClean="0"/>
-              <a:t>19-Jun-2023</a:t>
+              <a:t>29-May-2024</a:t>
             </a:fld>
             <a:endParaRPr lang="en-US"/>
           </a:p>
@@ -1289,7 +1289,7 @@
           <a:p>
             <a:fld id="{97CEE04D-A507-4B97-B0B6-1AF45CABDC55}" type="datetimeFigureOut">
               <a:rPr lang="en-US" smtClean="0"/>
-              <a:t>19-Jun-2023</a:t>
+              <a:t>29-May-2024</a:t>
             </a:fld>
             <a:endParaRPr lang="en-US"/>
           </a:p>
@@ -1723,7 +1723,7 @@
           <a:p>
             <a:fld id="{97CEE04D-A507-4B97-B0B6-1AF45CABDC55}" type="datetimeFigureOut">
               <a:rPr lang="en-US" smtClean="0"/>
-              <a:t>19-Jun-2023</a:t>
+              <a:t>29-May-2024</a:t>
             </a:fld>
             <a:endParaRPr lang="en-US"/>
           </a:p>
@@ -2008,7 +2008,7 @@
           <a:p>
             <a:fld id="{97CEE04D-A507-4B97-B0B6-1AF45CABDC55}" type="datetimeFigureOut">
               <a:rPr lang="en-US" smtClean="0"/>
-              <a:t>19-Jun-2023</a:t>
+              <a:t>29-May-2024</a:t>
             </a:fld>
             <a:endParaRPr lang="en-US"/>
           </a:p>
@@ -2427,7 +2427,7 @@
           <a:p>
             <a:fld id="{97CEE04D-A507-4B97-B0B6-1AF45CABDC55}" type="datetimeFigureOut">
               <a:rPr lang="en-US" smtClean="0"/>
-              <a:t>19-Jun-2023</a:t>
+              <a:t>29-May-2024</a:t>
             </a:fld>
             <a:endParaRPr lang="en-US"/>
           </a:p>
@@ -2544,7 +2544,7 @@
           <a:p>
             <a:fld id="{97CEE04D-A507-4B97-B0B6-1AF45CABDC55}" type="datetimeFigureOut">
               <a:rPr lang="en-US" smtClean="0"/>
-              <a:t>19-Jun-2023</a:t>
+              <a:t>29-May-2024</a:t>
             </a:fld>
             <a:endParaRPr lang="en-US"/>
           </a:p>
@@ -2639,7 +2639,7 @@
           <a:p>
             <a:fld id="{97CEE04D-A507-4B97-B0B6-1AF45CABDC55}" type="datetimeFigureOut">
               <a:rPr lang="en-US" smtClean="0"/>
-              <a:t>19-Jun-2023</a:t>
+              <a:t>29-May-2024</a:t>
             </a:fld>
             <a:endParaRPr lang="en-US"/>
           </a:p>
@@ -2914,7 +2914,7 @@
           <a:p>
             <a:fld id="{97CEE04D-A507-4B97-B0B6-1AF45CABDC55}" type="datetimeFigureOut">
               <a:rPr lang="en-US" smtClean="0"/>
-              <a:t>19-Jun-2023</a:t>
+              <a:t>29-May-2024</a:t>
             </a:fld>
             <a:endParaRPr lang="en-US"/>
           </a:p>
@@ -3166,7 +3166,7 @@
           <a:p>
             <a:fld id="{97CEE04D-A507-4B97-B0B6-1AF45CABDC55}" type="datetimeFigureOut">
               <a:rPr lang="en-US" smtClean="0"/>
-              <a:t>19-Jun-2023</a:t>
+              <a:t>29-May-2024</a:t>
             </a:fld>
             <a:endParaRPr lang="en-US"/>
           </a:p>
@@ -3377,7 +3377,7 @@
           <a:p>
             <a:fld id="{97CEE04D-A507-4B97-B0B6-1AF45CABDC55}" type="datetimeFigureOut">
               <a:rPr lang="en-US" smtClean="0"/>
-              <a:t>19-Jun-2023</a:t>
+              <a:t>29-May-2024</a:t>
             </a:fld>
             <a:endParaRPr lang="en-US"/>
           </a:p>
@@ -7195,7 +7195,7 @@
         <p:spPr/>
         <p:txBody>
           <a:bodyPr>
-            <a:normAutofit lnSpcReduction="10000"/>
+            <a:normAutofit fontScale="92500"/>
           </a:bodyPr>
           <a:lstStyle/>
           <a:p>
@@ -7258,16 +7258,28 @@
               <a:t>When the user presses the Back button, the current activity is popped from the top of the stack (</a:t>
             </a:r>
             <a:r>
-              <a:rPr lang="en-US" dirty="0">
+              <a:rPr lang="en-US" u="sng" dirty="0">
                 <a:solidFill>
                   <a:schemeClr val="accent2"/>
                 </a:solidFill>
               </a:rPr>
-              <a:t>the activity is destroyed</a:t>
-            </a:r>
-            <a:r>
-              <a:rPr lang="en-US" dirty="0"/>
-              <a:t>) and the previous activity resumes (</a:t>
+              <a:t>the activity </a:t>
+            </a:r>
+            <a:r>
+              <a:rPr lang="en-US" u="sng">
+                <a:solidFill>
+                  <a:schemeClr val="accent2"/>
+                </a:solidFill>
+              </a:rPr>
+              <a:t>is destroyed ?</a:t>
+            </a:r>
+            <a:r>
+              <a:rPr lang="en-US"/>
+              <a:t>) </a:t>
+            </a:r>
+            <a:r>
+              <a:rPr lang="en-US" dirty="0"/>
+              <a:t>and the previous activity resumes (</a:t>
             </a:r>
             <a:r>
               <a:rPr lang="en-US" dirty="0">
